--- a/presentation/WEAVE presentation.pptx
+++ b/presentation/WEAVE presentation.pptx
@@ -23,6 +23,8 @@
     <p:sldId id="271" r:id="rId17"/>
     <p:sldId id="272" r:id="rId18"/>
     <p:sldId id="273" r:id="rId19"/>
+    <p:sldId id="275" r:id="rId20"/>
+    <p:sldId id="276" r:id="rId21"/>
   </p:sldIdLst>
   <p:sldSz cx="9144000" cy="6858000" type="screen4x3"/>
   <p:notesSz cx="6858000" cy="9144000"/>
@@ -404,7 +406,7 @@
           <a:p>
             <a:fld id="{4438A8A4-DFFD-4CE7-AC9F-DCC4E634D632}" type="datetimeFigureOut">
               <a:rPr lang="en-GB" smtClean="0"/>
-              <a:t>23/03/2015</a:t>
+              <a:t>25/03/2015</a:t>
             </a:fld>
             <a:endParaRPr lang="en-GB"/>
           </a:p>
@@ -797,7 +799,7 @@
           <a:p>
             <a:fld id="{4438A8A4-DFFD-4CE7-AC9F-DCC4E634D632}" type="datetimeFigureOut">
               <a:rPr lang="en-GB" smtClean="0"/>
-              <a:t>23/03/2015</a:t>
+              <a:t>25/03/2015</a:t>
             </a:fld>
             <a:endParaRPr lang="en-GB"/>
           </a:p>
@@ -1329,7 +1331,7 @@
           <a:p>
             <a:fld id="{4438A8A4-DFFD-4CE7-AC9F-DCC4E634D632}" type="datetimeFigureOut">
               <a:rPr lang="en-GB" smtClean="0"/>
-              <a:t>23/03/2015</a:t>
+              <a:t>25/03/2015</a:t>
             </a:fld>
             <a:endParaRPr lang="en-GB"/>
           </a:p>
@@ -1462,7 +1464,7 @@
           <a:p>
             <a:fld id="{4438A8A4-DFFD-4CE7-AC9F-DCC4E634D632}" type="datetimeFigureOut">
               <a:rPr lang="en-GB" smtClean="0"/>
-              <a:t>23/03/2015</a:t>
+              <a:t>25/03/2015</a:t>
             </a:fld>
             <a:endParaRPr lang="en-GB"/>
           </a:p>
@@ -2005,7 +2007,7 @@
           <a:p>
             <a:fld id="{4438A8A4-DFFD-4CE7-AC9F-DCC4E634D632}" type="datetimeFigureOut">
               <a:rPr lang="en-GB" smtClean="0"/>
-              <a:t>23/03/2015</a:t>
+              <a:t>25/03/2015</a:t>
             </a:fld>
             <a:endParaRPr lang="en-GB"/>
           </a:p>
@@ -2300,7 +2302,7 @@
           <a:p>
             <a:fld id="{4438A8A4-DFFD-4CE7-AC9F-DCC4E634D632}" type="datetimeFigureOut">
               <a:rPr lang="en-GB" smtClean="0"/>
-              <a:t>23/03/2015</a:t>
+              <a:t>25/03/2015</a:t>
             </a:fld>
             <a:endParaRPr lang="en-GB"/>
           </a:p>
@@ -2959,7 +2961,7 @@
           <a:p>
             <a:fld id="{4438A8A4-DFFD-4CE7-AC9F-DCC4E634D632}" type="datetimeFigureOut">
               <a:rPr lang="en-GB" smtClean="0"/>
-              <a:t>23/03/2015</a:t>
+              <a:t>25/03/2015</a:t>
             </a:fld>
             <a:endParaRPr lang="en-GB"/>
           </a:p>
@@ -3395,7 +3397,7 @@
           <a:p>
             <a:fld id="{4438A8A4-DFFD-4CE7-AC9F-DCC4E634D632}" type="datetimeFigureOut">
               <a:rPr lang="en-GB" smtClean="0"/>
-              <a:t>23/03/2015</a:t>
+              <a:t>25/03/2015</a:t>
             </a:fld>
             <a:endParaRPr lang="en-GB"/>
           </a:p>
@@ -3708,7 +3710,7 @@
           <a:p>
             <a:fld id="{4438A8A4-DFFD-4CE7-AC9F-DCC4E634D632}" type="datetimeFigureOut">
               <a:rPr lang="en-GB" smtClean="0"/>
-              <a:t>23/03/2015</a:t>
+              <a:t>25/03/2015</a:t>
             </a:fld>
             <a:endParaRPr lang="en-GB"/>
           </a:p>
@@ -4440,7 +4442,7 @@
           <a:p>
             <a:fld id="{4438A8A4-DFFD-4CE7-AC9F-DCC4E634D632}" type="datetimeFigureOut">
               <a:rPr lang="en-GB" smtClean="0"/>
-              <a:t>23/03/2015</a:t>
+              <a:t>25/03/2015</a:t>
             </a:fld>
             <a:endParaRPr lang="en-GB"/>
           </a:p>
@@ -5104,7 +5106,7 @@
           <a:p>
             <a:fld id="{4438A8A4-DFFD-4CE7-AC9F-DCC4E634D632}" type="datetimeFigureOut">
               <a:rPr lang="en-GB" smtClean="0"/>
-              <a:t>23/03/2015</a:t>
+              <a:t>25/03/2015</a:t>
             </a:fld>
             <a:endParaRPr lang="en-GB"/>
           </a:p>
@@ -5377,7 +5379,7 @@
           <a:p>
             <a:fld id="{4438A8A4-DFFD-4CE7-AC9F-DCC4E634D632}" type="datetimeFigureOut">
               <a:rPr lang="en-GB" smtClean="0"/>
-              <a:t>23/03/2015</a:t>
+              <a:t>25/03/2015</a:t>
             </a:fld>
             <a:endParaRPr lang="en-GB"/>
           </a:p>
@@ -6112,6 +6114,25 @@
   <p:clrMapOvr>
     <a:masterClrMapping/>
   </p:clrMapOvr>
+  <mc:AlternateContent xmlns:mc="http://schemas.openxmlformats.org/markup-compatibility/2006" xmlns:p14="http://schemas.microsoft.com/office/powerpoint/2010/main">
+    <mc:Choice Requires="p14">
+      <p:transition spd="med" p14:dur="700">
+        <p:fade/>
+      </p:transition>
+    </mc:Choice>
+    <mc:Fallback xmlns="">
+      <p:transition spd="med">
+        <p:fade/>
+      </p:transition>
+    </mc:Fallback>
+  </mc:AlternateContent>
+  <p:timing>
+    <p:tnLst>
+      <p:par>
+        <p:cTn id="1" dur="indefinite" restart="never" nodeType="tmRoot"/>
+      </p:par>
+    </p:tnLst>
+  </p:timing>
 </p:sld>
 </file>
 
@@ -6194,6 +6215,25 @@
   <p:clrMapOvr>
     <a:masterClrMapping/>
   </p:clrMapOvr>
+  <mc:AlternateContent xmlns:mc="http://schemas.openxmlformats.org/markup-compatibility/2006" xmlns:p14="http://schemas.microsoft.com/office/powerpoint/2010/main">
+    <mc:Choice Requires="p14">
+      <p:transition spd="med" p14:dur="700">
+        <p:fade/>
+      </p:transition>
+    </mc:Choice>
+    <mc:Fallback xmlns="">
+      <p:transition spd="med">
+        <p:fade/>
+      </p:transition>
+    </mc:Fallback>
+  </mc:AlternateContent>
+  <p:timing>
+    <p:tnLst>
+      <p:par>
+        <p:cTn id="1" dur="indefinite" restart="never" nodeType="tmRoot"/>
+      </p:par>
+    </p:tnLst>
+  </p:timing>
 </p:sld>
 </file>
 
@@ -6282,6 +6322,25 @@
   <p:clrMapOvr>
     <a:masterClrMapping/>
   </p:clrMapOvr>
+  <mc:AlternateContent xmlns:mc="http://schemas.openxmlformats.org/markup-compatibility/2006" xmlns:p14="http://schemas.microsoft.com/office/powerpoint/2010/main">
+    <mc:Choice Requires="p14">
+      <p:transition spd="med" p14:dur="700">
+        <p:fade/>
+      </p:transition>
+    </mc:Choice>
+    <mc:Fallback xmlns="">
+      <p:transition spd="med">
+        <p:fade/>
+      </p:transition>
+    </mc:Fallback>
+  </mc:AlternateContent>
+  <p:timing>
+    <p:tnLst>
+      <p:par>
+        <p:cTn id="1" dur="indefinite" restart="never" nodeType="tmRoot"/>
+      </p:par>
+    </p:tnLst>
+  </p:timing>
 </p:sld>
 </file>
 
@@ -6434,6 +6493,25 @@
   <p:clrMapOvr>
     <a:masterClrMapping/>
   </p:clrMapOvr>
+  <mc:AlternateContent xmlns:mc="http://schemas.openxmlformats.org/markup-compatibility/2006" xmlns:p14="http://schemas.microsoft.com/office/powerpoint/2010/main">
+    <mc:Choice Requires="p14">
+      <p:transition spd="med" p14:dur="700">
+        <p:fade/>
+      </p:transition>
+    </mc:Choice>
+    <mc:Fallback xmlns="">
+      <p:transition spd="med">
+        <p:fade/>
+      </p:transition>
+    </mc:Fallback>
+  </mc:AlternateContent>
+  <p:timing>
+    <p:tnLst>
+      <p:par>
+        <p:cTn id="1" dur="indefinite" restart="never" nodeType="tmRoot"/>
+      </p:par>
+    </p:tnLst>
+  </p:timing>
 </p:sld>
 </file>
 
@@ -6477,25 +6555,35 @@
           </a:p>
         </p:txBody>
       </p:sp>
-      <p:sp>
-        <p:nvSpPr>
-          <p:cNvPr id="3" name="Content Placeholder 2"/>
-          <p:cNvSpPr>
-            <a:spLocks noGrp="1"/>
-          </p:cNvSpPr>
+      <p:pic>
+        <p:nvPicPr>
+          <p:cNvPr id="4" name="Content Placeholder 3"/>
+          <p:cNvPicPr>
+            <a:picLocks noGrp="1" noChangeAspect="1"/>
+          </p:cNvPicPr>
           <p:nvPr>
             <p:ph sz="quarter" idx="1"/>
           </p:nvPr>
-        </p:nvSpPr>
-        <p:spPr/>
-        <p:txBody>
-          <a:bodyPr/>
-          <a:lstStyle/>
-          <a:p>
-            <a:endParaRPr lang="en-GB"/>
-          </a:p>
-        </p:txBody>
-      </p:sp>
+        </p:nvPicPr>
+        <p:blipFill>
+          <a:blip r:embed="rId2">
+            <a:extLst>
+              <a:ext uri="{28A0092B-C50C-407E-A947-70E740481C1C}">
+                <a14:useLocalDpi xmlns:a14="http://schemas.microsoft.com/office/drawing/2010/main" val="0"/>
+              </a:ext>
+            </a:extLst>
+          </a:blip>
+          <a:stretch>
+            <a:fillRect/>
+          </a:stretch>
+        </p:blipFill>
+        <p:spPr>
+          <a:xfrm>
+            <a:off x="301625" y="1844825"/>
+            <a:ext cx="8504238" cy="4392488"/>
+          </a:xfrm>
+        </p:spPr>
+      </p:pic>
     </p:spTree>
     <p:extLst>
       <p:ext uri="{BB962C8B-B14F-4D97-AF65-F5344CB8AC3E}">
@@ -6506,6 +6594,25 @@
   <p:clrMapOvr>
     <a:masterClrMapping/>
   </p:clrMapOvr>
+  <mc:AlternateContent xmlns:mc="http://schemas.openxmlformats.org/markup-compatibility/2006" xmlns:p14="http://schemas.microsoft.com/office/powerpoint/2010/main">
+    <mc:Choice Requires="p14">
+      <p:transition spd="med" p14:dur="700">
+        <p:fade/>
+      </p:transition>
+    </mc:Choice>
+    <mc:Fallback xmlns="">
+      <p:transition spd="med">
+        <p:fade/>
+      </p:transition>
+    </mc:Fallback>
+  </mc:AlternateContent>
+  <p:timing>
+    <p:tnLst>
+      <p:par>
+        <p:cTn id="1" dur="indefinite" restart="never" nodeType="tmRoot"/>
+      </p:par>
+    </p:tnLst>
+  </p:timing>
 </p:sld>
 </file>
 
@@ -6549,25 +6656,35 @@
           </a:p>
         </p:txBody>
       </p:sp>
-      <p:sp>
-        <p:nvSpPr>
-          <p:cNvPr id="3" name="Content Placeholder 2"/>
-          <p:cNvSpPr>
-            <a:spLocks noGrp="1"/>
-          </p:cNvSpPr>
+      <p:pic>
+        <p:nvPicPr>
+          <p:cNvPr id="6" name="Content Placeholder 5"/>
+          <p:cNvPicPr>
+            <a:picLocks noGrp="1" noChangeAspect="1"/>
+          </p:cNvPicPr>
           <p:nvPr>
             <p:ph sz="quarter" idx="1"/>
           </p:nvPr>
-        </p:nvSpPr>
-        <p:spPr/>
-        <p:txBody>
-          <a:bodyPr/>
-          <a:lstStyle/>
-          <a:p>
-            <a:endParaRPr lang="en-GB"/>
-          </a:p>
-        </p:txBody>
-      </p:sp>
+        </p:nvPicPr>
+        <p:blipFill>
+          <a:blip r:embed="rId2">
+            <a:extLst>
+              <a:ext uri="{28A0092B-C50C-407E-A947-70E740481C1C}">
+                <a14:useLocalDpi xmlns:a14="http://schemas.microsoft.com/office/drawing/2010/main" val="0"/>
+              </a:ext>
+            </a:extLst>
+          </a:blip>
+          <a:stretch>
+            <a:fillRect/>
+          </a:stretch>
+        </p:blipFill>
+        <p:spPr>
+          <a:xfrm>
+            <a:off x="179512" y="1556792"/>
+            <a:ext cx="8784976" cy="4824536"/>
+          </a:xfrm>
+        </p:spPr>
+      </p:pic>
     </p:spTree>
     <p:extLst>
       <p:ext uri="{BB962C8B-B14F-4D97-AF65-F5344CB8AC3E}">
@@ -6578,6 +6695,25 @@
   <p:clrMapOvr>
     <a:masterClrMapping/>
   </p:clrMapOvr>
+  <mc:AlternateContent xmlns:mc="http://schemas.openxmlformats.org/markup-compatibility/2006" xmlns:p14="http://schemas.microsoft.com/office/powerpoint/2010/main">
+    <mc:Choice Requires="p14">
+      <p:transition spd="med" p14:dur="700">
+        <p:fade/>
+      </p:transition>
+    </mc:Choice>
+    <mc:Fallback xmlns="">
+      <p:transition spd="med">
+        <p:fade/>
+      </p:transition>
+    </mc:Fallback>
+  </mc:AlternateContent>
+  <p:timing>
+    <p:tnLst>
+      <p:par>
+        <p:cTn id="1" dur="indefinite" restart="never" nodeType="tmRoot"/>
+      </p:par>
+    </p:tnLst>
+  </p:timing>
 </p:sld>
 </file>
 
@@ -6627,25 +6763,35 @@
           </a:p>
         </p:txBody>
       </p:sp>
-      <p:sp>
-        <p:nvSpPr>
-          <p:cNvPr id="3" name="Content Placeholder 2"/>
-          <p:cNvSpPr>
-            <a:spLocks noGrp="1"/>
-          </p:cNvSpPr>
+      <p:pic>
+        <p:nvPicPr>
+          <p:cNvPr id="6" name="Content Placeholder 5"/>
+          <p:cNvPicPr>
+            <a:picLocks noGrp="1" noChangeAspect="1"/>
+          </p:cNvPicPr>
           <p:nvPr>
             <p:ph sz="quarter" idx="1"/>
           </p:nvPr>
-        </p:nvSpPr>
-        <p:spPr/>
-        <p:txBody>
-          <a:bodyPr/>
-          <a:lstStyle/>
-          <a:p>
-            <a:endParaRPr lang="en-GB"/>
-          </a:p>
-        </p:txBody>
-      </p:sp>
+        </p:nvPicPr>
+        <p:blipFill>
+          <a:blip r:embed="rId2">
+            <a:extLst>
+              <a:ext uri="{28A0092B-C50C-407E-A947-70E740481C1C}">
+                <a14:useLocalDpi xmlns:a14="http://schemas.microsoft.com/office/drawing/2010/main" val="0"/>
+              </a:ext>
+            </a:extLst>
+          </a:blip>
+          <a:stretch>
+            <a:fillRect/>
+          </a:stretch>
+        </p:blipFill>
+        <p:spPr>
+          <a:xfrm>
+            <a:off x="301625" y="1916832"/>
+            <a:ext cx="8504238" cy="4176464"/>
+          </a:xfrm>
+        </p:spPr>
+      </p:pic>
     </p:spTree>
     <p:extLst>
       <p:ext uri="{BB962C8B-B14F-4D97-AF65-F5344CB8AC3E}">
@@ -6656,6 +6802,25 @@
   <p:clrMapOvr>
     <a:masterClrMapping/>
   </p:clrMapOvr>
+  <mc:AlternateContent xmlns:mc="http://schemas.openxmlformats.org/markup-compatibility/2006" xmlns:p14="http://schemas.microsoft.com/office/powerpoint/2010/main">
+    <mc:Choice Requires="p14">
+      <p:transition spd="med" p14:dur="700">
+        <p:fade/>
+      </p:transition>
+    </mc:Choice>
+    <mc:Fallback xmlns="">
+      <p:transition spd="med">
+        <p:fade/>
+      </p:transition>
+    </mc:Fallback>
+  </mc:AlternateContent>
+  <p:timing>
+    <p:tnLst>
+      <p:par>
+        <p:cTn id="1" dur="indefinite" restart="never" nodeType="tmRoot"/>
+      </p:par>
+    </p:tnLst>
+  </p:timing>
 </p:sld>
 </file>
 
@@ -6719,14 +6884,22 @@
         </p:spPr>
         <p:txBody>
           <a:bodyPr>
-            <a:normAutofit/>
+            <a:normAutofit lnSpcReduction="10000"/>
           </a:bodyPr>
           <a:lstStyle/>
           <a:p>
             <a:pPr lvl="0"/>
             <a:r>
               <a:rPr lang="en-GB" sz="3200" dirty="0"/>
-              <a:t>Usability Evaluation conducted by participants who are not teachers or students in </a:t>
+              <a:t>Usability Evaluation conducted </a:t>
+            </a:r>
+            <a:r>
+              <a:rPr lang="en-GB" sz="3200" dirty="0" smtClean="0"/>
+              <a:t>with </a:t>
+            </a:r>
+            <a:r>
+              <a:rPr lang="en-GB" sz="3200" dirty="0"/>
+              <a:t>participants who are not teachers or students in </a:t>
             </a:r>
             <a:r>
               <a:rPr lang="en-GB" sz="3200" dirty="0" smtClean="0"/>
@@ -6738,11 +6911,11 @@
             <a:pPr lvl="0"/>
             <a:r>
               <a:rPr lang="en-GB" sz="3200" dirty="0"/>
-              <a:t>Heuristics Evaluation conducted by </a:t>
+              <a:t>Heuristics Evaluation conducted </a:t>
             </a:r>
             <a:r>
               <a:rPr lang="en-GB" sz="3200" dirty="0" smtClean="0"/>
-              <a:t>experts </a:t>
+              <a:t>with experts </a:t>
             </a:r>
             <a:r>
               <a:rPr lang="en-GB" sz="3200" dirty="0"/>
@@ -6776,11 +6949,11 @@
             </a:r>
             <a:r>
               <a:rPr lang="en-GB" sz="3200" dirty="0"/>
-              <a:t>Evaluation by </a:t>
+              <a:t>Evaluation </a:t>
             </a:r>
             <a:r>
               <a:rPr lang="en-GB" sz="3200" dirty="0" smtClean="0"/>
-              <a:t>a </a:t>
+              <a:t>with a </a:t>
             </a:r>
             <a:r>
               <a:rPr lang="en-GB" sz="3200" dirty="0"/>
@@ -6804,6 +6977,25 @@
   <p:clrMapOvr>
     <a:masterClrMapping/>
   </p:clrMapOvr>
+  <mc:AlternateContent xmlns:mc="http://schemas.openxmlformats.org/markup-compatibility/2006" xmlns:p14="http://schemas.microsoft.com/office/powerpoint/2010/main">
+    <mc:Choice Requires="p14">
+      <p:transition spd="med" p14:dur="700">
+        <p:fade/>
+      </p:transition>
+    </mc:Choice>
+    <mc:Fallback xmlns="">
+      <p:transition spd="med">
+        <p:fade/>
+      </p:transition>
+    </mc:Fallback>
+  </mc:AlternateContent>
+  <p:timing>
+    <p:tnLst>
+      <p:par>
+        <p:cTn id="1" dur="indefinite" restart="never" nodeType="tmRoot"/>
+      </p:par>
+    </p:tnLst>
+  </p:timing>
 </p:sld>
 </file>
 
@@ -6889,7 +7081,7 @@
           <a:p>
             <a:r>
               <a:rPr lang="en-GB" sz="4400" dirty="0" smtClean="0"/>
-              <a:t>Make revolution in teaching practices is schools?</a:t>
+              <a:t>Make revolution in teaching practices in schools?</a:t>
             </a:r>
             <a:endParaRPr lang="en-GB" sz="4400" dirty="0"/>
           </a:p>
@@ -6905,6 +7097,25 @@
   <p:clrMapOvr>
     <a:masterClrMapping/>
   </p:clrMapOvr>
+  <mc:AlternateContent xmlns:mc="http://schemas.openxmlformats.org/markup-compatibility/2006" xmlns:p14="http://schemas.microsoft.com/office/powerpoint/2010/main">
+    <mc:Choice Requires="p14">
+      <p:transition spd="med" p14:dur="700">
+        <p:fade/>
+      </p:transition>
+    </mc:Choice>
+    <mc:Fallback xmlns="">
+      <p:transition spd="med">
+        <p:fade/>
+      </p:transition>
+    </mc:Fallback>
+  </mc:AlternateContent>
+  <p:timing>
+    <p:tnLst>
+      <p:par>
+        <p:cTn id="1" dur="indefinite" restart="never" nodeType="tmRoot"/>
+      </p:par>
+    </p:tnLst>
+  </p:timing>
 </p:sld>
 </file>
 
@@ -6942,31 +7153,41 @@
           <a:p>
             <a:r>
               <a:rPr lang="en-GB" b="1" dirty="0" smtClean="0"/>
-              <a:t>Thank you</a:t>
+              <a:t>Thank you!</a:t>
             </a:r>
             <a:endParaRPr lang="en-GB" b="1" dirty="0"/>
           </a:p>
         </p:txBody>
       </p:sp>
-      <p:sp>
-        <p:nvSpPr>
-          <p:cNvPr id="3" name="Content Placeholder 2"/>
-          <p:cNvSpPr>
-            <a:spLocks noGrp="1"/>
-          </p:cNvSpPr>
+      <p:pic>
+        <p:nvPicPr>
+          <p:cNvPr id="4" name="Content Placeholder 3"/>
+          <p:cNvPicPr>
+            <a:picLocks noGrp="1" noChangeAspect="1"/>
+          </p:cNvPicPr>
           <p:nvPr>
             <p:ph sz="quarter" idx="1"/>
           </p:nvPr>
-        </p:nvSpPr>
-        <p:spPr/>
-        <p:txBody>
-          <a:bodyPr/>
-          <a:lstStyle/>
-          <a:p>
-            <a:endParaRPr lang="en-GB"/>
-          </a:p>
-        </p:txBody>
-      </p:sp>
+        </p:nvPicPr>
+        <p:blipFill>
+          <a:blip r:embed="rId2" cstate="print">
+            <a:extLst>
+              <a:ext uri="{28A0092B-C50C-407E-A947-70E740481C1C}">
+                <a14:useLocalDpi xmlns:a14="http://schemas.microsoft.com/office/drawing/2010/main" val="0"/>
+              </a:ext>
+            </a:extLst>
+          </a:blip>
+          <a:stretch>
+            <a:fillRect/>
+          </a:stretch>
+        </p:blipFill>
+        <p:spPr>
+          <a:xfrm>
+            <a:off x="1691680" y="1628800"/>
+            <a:ext cx="5976664" cy="4680520"/>
+          </a:xfrm>
+        </p:spPr>
+      </p:pic>
     </p:spTree>
     <p:extLst>
       <p:ext uri="{BB962C8B-B14F-4D97-AF65-F5344CB8AC3E}">
@@ -6977,6 +7198,114 @@
   <p:clrMapOvr>
     <a:masterClrMapping/>
   </p:clrMapOvr>
+  <mc:AlternateContent xmlns:mc="http://schemas.openxmlformats.org/markup-compatibility/2006" xmlns:p14="http://schemas.microsoft.com/office/powerpoint/2010/main">
+    <mc:Choice Requires="p14">
+      <p:transition spd="med" p14:dur="700">
+        <p:fade/>
+      </p:transition>
+    </mc:Choice>
+    <mc:Fallback xmlns="">
+      <p:transition spd="med">
+        <p:fade/>
+      </p:transition>
+    </mc:Fallback>
+  </mc:AlternateContent>
+  <p:timing>
+    <p:tnLst>
+      <p:par>
+        <p:cTn id="1" dur="indefinite" restart="never" nodeType="tmRoot"/>
+      </p:par>
+    </p:tnLst>
+  </p:timing>
+</p:sld>
+</file>
+
+<file path=ppt/slides/slide19.xml><?xml version="1.0" encoding="utf-8"?>
+<p:sld xmlns:a="http://schemas.openxmlformats.org/drawingml/2006/main" xmlns:r="http://schemas.openxmlformats.org/officeDocument/2006/relationships" xmlns:p="http://schemas.openxmlformats.org/presentationml/2006/main">
+  <p:cSld>
+    <p:spTree>
+      <p:nvGrpSpPr>
+        <p:cNvPr id="1" name=""/>
+        <p:cNvGrpSpPr/>
+        <p:nvPr/>
+      </p:nvGrpSpPr>
+      <p:grpSpPr>
+        <a:xfrm>
+          <a:off x="0" y="0"/>
+          <a:ext cx="0" cy="0"/>
+          <a:chOff x="0" y="0"/>
+          <a:chExt cx="0" cy="0"/>
+        </a:xfrm>
+      </p:grpSpPr>
+      <p:sp>
+        <p:nvSpPr>
+          <p:cNvPr id="2" name="Title 1"/>
+          <p:cNvSpPr>
+            <a:spLocks noGrp="1"/>
+          </p:cNvSpPr>
+          <p:nvPr>
+            <p:ph type="title"/>
+          </p:nvPr>
+        </p:nvSpPr>
+        <p:spPr/>
+        <p:txBody>
+          <a:bodyPr/>
+          <a:lstStyle/>
+          <a:p>
+            <a:r>
+              <a:rPr lang="en-GB" dirty="0" smtClean="0"/>
+              <a:t>View Statistics Page</a:t>
+            </a:r>
+            <a:endParaRPr lang="en-GB" dirty="0"/>
+          </a:p>
+        </p:txBody>
+      </p:sp>
+      <p:pic>
+        <p:nvPicPr>
+          <p:cNvPr id="4" name="Content Placeholder 3"/>
+          <p:cNvPicPr>
+            <a:picLocks noGrp="1" noChangeAspect="1"/>
+          </p:cNvPicPr>
+          <p:nvPr>
+            <p:ph sz="quarter" idx="1"/>
+          </p:nvPr>
+        </p:nvPicPr>
+        <p:blipFill>
+          <a:blip r:embed="rId2">
+            <a:extLst>
+              <a:ext uri="{28A0092B-C50C-407E-A947-70E740481C1C}">
+                <a14:useLocalDpi xmlns:a14="http://schemas.microsoft.com/office/drawing/2010/main" val="0"/>
+              </a:ext>
+            </a:extLst>
+          </a:blip>
+          <a:stretch>
+            <a:fillRect/>
+          </a:stretch>
+        </p:blipFill>
+        <p:spPr>
+          <a:xfrm>
+            <a:off x="301625" y="1648177"/>
+            <a:ext cx="8504238" cy="4329996"/>
+          </a:xfrm>
+        </p:spPr>
+      </p:pic>
+    </p:spTree>
+    <p:extLst>
+      <p:ext uri="{BB962C8B-B14F-4D97-AF65-F5344CB8AC3E}">
+        <p14:creationId xmlns:p14="http://schemas.microsoft.com/office/powerpoint/2010/main" val="3918388910"/>
+      </p:ext>
+    </p:extLst>
+  </p:cSld>
+  <p:clrMapOvr>
+    <a:masterClrMapping/>
+  </p:clrMapOvr>
+  <p:timing>
+    <p:tnLst>
+      <p:par>
+        <p:cTn id="1" dur="indefinite" restart="never" nodeType="tmRoot"/>
+      </p:par>
+    </p:tnLst>
+  </p:timing>
 </p:sld>
 </file>
 
@@ -7009,12 +7338,122 @@
         </p:nvSpPr>
         <p:spPr/>
         <p:txBody>
+          <a:bodyPr>
+            <a:normAutofit/>
+          </a:bodyPr>
+          <a:lstStyle/>
+          <a:p>
+            <a:r>
+              <a:rPr lang="en-GB" sz="3000" b="1" dirty="0"/>
+              <a:t>What are worked examples?</a:t>
+            </a:r>
+          </a:p>
+        </p:txBody>
+      </p:sp>
+      <p:sp>
+        <p:nvSpPr>
+          <p:cNvPr id="3" name="Content Placeholder 2"/>
+          <p:cNvSpPr>
+            <a:spLocks noGrp="1"/>
+          </p:cNvSpPr>
+          <p:nvPr>
+            <p:ph sz="quarter" idx="1"/>
+          </p:nvPr>
+        </p:nvSpPr>
+        <p:spPr/>
+        <p:txBody>
           <a:bodyPr/>
           <a:lstStyle/>
           <a:p>
             <a:r>
+              <a:rPr lang="en-GB" sz="4400" dirty="0" smtClean="0"/>
+              <a:t>Examples which are broken into different pieces</a:t>
+            </a:r>
+          </a:p>
+          <a:p>
+            <a:r>
+              <a:rPr lang="en-GB" sz="4400" dirty="0" smtClean="0"/>
+              <a:t>They are revealed gradually</a:t>
+            </a:r>
+          </a:p>
+          <a:p>
+            <a:r>
+              <a:rPr lang="en-GB" sz="4400" dirty="0" smtClean="0"/>
+              <a:t>Each step has an explanation</a:t>
+            </a:r>
+          </a:p>
+          <a:p>
+            <a:endParaRPr lang="en-GB" dirty="0"/>
+          </a:p>
+        </p:txBody>
+      </p:sp>
+    </p:spTree>
+    <p:extLst>
+      <p:ext uri="{BB962C8B-B14F-4D97-AF65-F5344CB8AC3E}">
+        <p14:creationId xmlns:p14="http://schemas.microsoft.com/office/powerpoint/2010/main" val="2874099645"/>
+      </p:ext>
+    </p:extLst>
+  </p:cSld>
+  <p:clrMapOvr>
+    <a:masterClrMapping/>
+  </p:clrMapOvr>
+  <mc:AlternateContent xmlns:mc="http://schemas.openxmlformats.org/markup-compatibility/2006" xmlns:p14="http://schemas.microsoft.com/office/powerpoint/2010/main">
+    <mc:Choice Requires="p14">
+      <p:transition spd="med" p14:dur="700">
+        <p:fade/>
+      </p:transition>
+    </mc:Choice>
+    <mc:Fallback xmlns="">
+      <p:transition spd="med">
+        <p:fade/>
+      </p:transition>
+    </mc:Fallback>
+  </mc:AlternateContent>
+  <p:timing>
+    <p:tnLst>
+      <p:par>
+        <p:cTn id="1" dur="indefinite" restart="never" nodeType="tmRoot"/>
+      </p:par>
+    </p:tnLst>
+  </p:timing>
+</p:sld>
+</file>
+
+<file path=ppt/slides/slide20.xml><?xml version="1.0" encoding="utf-8"?>
+<p:sld xmlns:a="http://schemas.openxmlformats.org/drawingml/2006/main" xmlns:r="http://schemas.openxmlformats.org/officeDocument/2006/relationships" xmlns:p="http://schemas.openxmlformats.org/presentationml/2006/main">
+  <p:cSld>
+    <p:spTree>
+      <p:nvGrpSpPr>
+        <p:cNvPr id="1" name=""/>
+        <p:cNvGrpSpPr/>
+        <p:nvPr/>
+      </p:nvGrpSpPr>
+      <p:grpSpPr>
+        <a:xfrm>
+          <a:off x="0" y="0"/>
+          <a:ext cx="0" cy="0"/>
+          <a:chOff x="0" y="0"/>
+          <a:chExt cx="0" cy="0"/>
+        </a:xfrm>
+      </p:grpSpPr>
+      <p:sp>
+        <p:nvSpPr>
+          <p:cNvPr id="2" name="Title 1"/>
+          <p:cNvSpPr>
+            <a:spLocks noGrp="1"/>
+          </p:cNvSpPr>
+          <p:nvPr>
+            <p:ph type="title"/>
+          </p:nvPr>
+        </p:nvSpPr>
+        <p:spPr/>
+        <p:txBody>
+          <a:bodyPr/>
+          <a:lstStyle/>
+          <a:p>
+            <a:r>
               <a:rPr lang="en-GB" dirty="0" smtClean="0"/>
-              <a:t>What are worked examples?</a:t>
+              <a:t>IWE Examples Structure</a:t>
             </a:r>
             <a:endParaRPr lang="en-GB" dirty="0"/>
           </a:p>
@@ -7022,7 +7461,7 @@
       </p:sp>
       <p:pic>
         <p:nvPicPr>
-          <p:cNvPr id="4" name="Content Placeholder 3"/>
+          <p:cNvPr id="6" name="Content Placeholder 5"/>
           <p:cNvPicPr>
             <a:picLocks noGrp="1" noChangeAspect="1"/>
           </p:cNvPicPr>
@@ -7044,15 +7483,15 @@
         </p:blipFill>
         <p:spPr>
           <a:xfrm>
-            <a:off x="1979712" y="1700808"/>
-            <a:ext cx="5328592" cy="4513184"/>
+            <a:off x="1349565" y="1527175"/>
+            <a:ext cx="6408357" cy="4572000"/>
           </a:xfrm>
         </p:spPr>
       </p:pic>
     </p:spTree>
     <p:extLst>
       <p:ext uri="{BB962C8B-B14F-4D97-AF65-F5344CB8AC3E}">
-        <p14:creationId xmlns:p14="http://schemas.microsoft.com/office/powerpoint/2010/main" val="2874099645"/>
+        <p14:creationId xmlns:p14="http://schemas.microsoft.com/office/powerpoint/2010/main" val="4187445292"/>
       </p:ext>
     </p:extLst>
   </p:cSld>
@@ -7109,35 +7548,37 @@
           </a:p>
         </p:txBody>
       </p:sp>
-      <p:pic>
-        <p:nvPicPr>
-          <p:cNvPr id="4" name="Content Placeholder 3"/>
-          <p:cNvPicPr>
-            <a:picLocks noGrp="1" noChangeAspect="1"/>
-          </p:cNvPicPr>
+      <p:sp>
+        <p:nvSpPr>
+          <p:cNvPr id="3" name="Content Placeholder 2"/>
+          <p:cNvSpPr>
+            <a:spLocks noGrp="1"/>
+          </p:cNvSpPr>
           <p:nvPr>
             <p:ph sz="quarter" idx="1"/>
           </p:nvPr>
-        </p:nvPicPr>
-        <p:blipFill>
-          <a:blip r:embed="rId2">
-            <a:extLst>
-              <a:ext uri="{28A0092B-C50C-407E-A947-70E740481C1C}">
-                <a14:useLocalDpi xmlns:a14="http://schemas.microsoft.com/office/drawing/2010/main" val="0"/>
-              </a:ext>
-            </a:extLst>
-          </a:blip>
-          <a:stretch>
-            <a:fillRect/>
-          </a:stretch>
-        </p:blipFill>
-        <p:spPr>
-          <a:xfrm>
-            <a:off x="467544" y="2060848"/>
-            <a:ext cx="8260172" cy="3456384"/>
-          </a:xfrm>
-        </p:spPr>
-      </p:pic>
+        </p:nvSpPr>
+        <p:spPr/>
+        <p:txBody>
+          <a:bodyPr>
+            <a:normAutofit/>
+          </a:bodyPr>
+          <a:lstStyle/>
+          <a:p>
+            <a:r>
+              <a:rPr lang="en-GB" sz="4400" dirty="0" smtClean="0"/>
+              <a:t>Novices have a restricted knowledge of the problem domain</a:t>
+            </a:r>
+          </a:p>
+          <a:p>
+            <a:r>
+              <a:rPr lang="en-GB" sz="4400" dirty="0" smtClean="0"/>
+              <a:t>Worked examples can help in gaining the necessary expertise to solve problems</a:t>
+            </a:r>
+            <a:endParaRPr lang="en-GB" sz="4400" dirty="0"/>
+          </a:p>
+        </p:txBody>
+      </p:sp>
     </p:spTree>
     <p:extLst>
       <p:ext uri="{BB962C8B-B14F-4D97-AF65-F5344CB8AC3E}">
@@ -7148,6 +7589,25 @@
   <p:clrMapOvr>
     <a:masterClrMapping/>
   </p:clrMapOvr>
+  <mc:AlternateContent xmlns:mc="http://schemas.openxmlformats.org/markup-compatibility/2006" xmlns:p14="http://schemas.microsoft.com/office/powerpoint/2010/main">
+    <mc:Choice Requires="p14">
+      <p:transition spd="med" p14:dur="700">
+        <p:fade/>
+      </p:transition>
+    </mc:Choice>
+    <mc:Fallback xmlns="">
+      <p:transition spd="med">
+        <p:fade/>
+      </p:transition>
+    </mc:Fallback>
+  </mc:AlternateContent>
+  <p:timing>
+    <p:tnLst>
+      <p:par>
+        <p:cTn id="1" dur="indefinite" restart="never" nodeType="tmRoot"/>
+      </p:par>
+    </p:tnLst>
+  </p:timing>
 </p:sld>
 </file>
 
@@ -7262,6 +7722,25 @@
   <p:clrMapOvr>
     <a:masterClrMapping/>
   </p:clrMapOvr>
+  <mc:AlternateContent xmlns:mc="http://schemas.openxmlformats.org/markup-compatibility/2006" xmlns:p14="http://schemas.microsoft.com/office/powerpoint/2010/main">
+    <mc:Choice Requires="p14">
+      <p:transition spd="med" p14:dur="700">
+        <p:fade/>
+      </p:transition>
+    </mc:Choice>
+    <mc:Fallback xmlns="">
+      <p:transition spd="med">
+        <p:fade/>
+      </p:transition>
+    </mc:Fallback>
+  </mc:AlternateContent>
+  <p:timing>
+    <p:tnLst>
+      <p:par>
+        <p:cTn id="1" dur="indefinite" restart="never" nodeType="tmRoot"/>
+      </p:par>
+    </p:tnLst>
+  </p:timing>
 </p:sld>
 </file>
 
@@ -7350,6 +7829,25 @@
   <p:clrMapOvr>
     <a:masterClrMapping/>
   </p:clrMapOvr>
+  <mc:AlternateContent xmlns:mc="http://schemas.openxmlformats.org/markup-compatibility/2006" xmlns:p14="http://schemas.microsoft.com/office/powerpoint/2010/main">
+    <mc:Choice Requires="p14">
+      <p:transition spd="med" p14:dur="700">
+        <p:fade/>
+      </p:transition>
+    </mc:Choice>
+    <mc:Fallback xmlns="">
+      <p:transition spd="med">
+        <p:fade/>
+      </p:transition>
+    </mc:Fallback>
+  </mc:AlternateContent>
+  <p:timing>
+    <p:tnLst>
+      <p:par>
+        <p:cTn id="1" dur="indefinite" restart="never" nodeType="tmRoot"/>
+      </p:par>
+    </p:tnLst>
+  </p:timing>
 </p:sld>
 </file>
 
@@ -7439,6 +7937,25 @@
   <p:clrMapOvr>
     <a:masterClrMapping/>
   </p:clrMapOvr>
+  <mc:AlternateContent xmlns:mc="http://schemas.openxmlformats.org/markup-compatibility/2006" xmlns:p14="http://schemas.microsoft.com/office/powerpoint/2010/main">
+    <mc:Choice Requires="p14">
+      <p:transition spd="med" p14:dur="700">
+        <p:fade/>
+      </p:transition>
+    </mc:Choice>
+    <mc:Fallback xmlns="">
+      <p:transition spd="med">
+        <p:fade/>
+      </p:transition>
+    </mc:Fallback>
+  </mc:AlternateContent>
+  <p:timing>
+    <p:tnLst>
+      <p:par>
+        <p:cTn id="1" dur="indefinite" restart="never" nodeType="tmRoot"/>
+      </p:par>
+    </p:tnLst>
+  </p:timing>
 </p:sld>
 </file>
 
@@ -7506,7 +8023,7 @@
         </p:blipFill>
         <p:spPr>
           <a:xfrm>
-            <a:off x="5292080" y="1479186"/>
+            <a:off x="5868144" y="1628800"/>
             <a:ext cx="2952328" cy="4746880"/>
           </a:xfrm>
         </p:spPr>
@@ -7521,8 +8038,8 @@
         </p:nvSpPr>
         <p:spPr>
           <a:xfrm>
-            <a:off x="1043608" y="2332037"/>
-            <a:ext cx="3600400" cy="3041179"/>
+            <a:off x="395536" y="2249489"/>
+            <a:ext cx="5472608" cy="4608511"/>
           </a:xfrm>
           <a:prstGeom prst="rect">
             <a:avLst/>
@@ -7671,12 +8188,11 @@
           </a:lstStyle>
           <a:p>
             <a:pPr marL="0" indent="0">
-              <a:buFont typeface="Arial" panose="020B0604020202020204" pitchFamily="34" charset="0"/>
               <a:buNone/>
             </a:pPr>
             <a:r>
-              <a:rPr lang="en-GB" sz="3600" b="1" dirty="0" smtClean="0"/>
-              <a:t>It is difficult!</a:t>
+              <a:rPr lang="en-GB" b="1" dirty="0" smtClean="0"/>
+              <a:t>It is difficult to install!</a:t>
             </a:r>
           </a:p>
         </p:txBody>
@@ -7691,6 +8207,25 @@
   <p:clrMapOvr>
     <a:masterClrMapping/>
   </p:clrMapOvr>
+  <mc:AlternateContent xmlns:mc="http://schemas.openxmlformats.org/markup-compatibility/2006" xmlns:p14="http://schemas.microsoft.com/office/powerpoint/2010/main">
+    <mc:Choice Requires="p14">
+      <p:transition spd="med" p14:dur="700">
+        <p:fade/>
+      </p:transition>
+    </mc:Choice>
+    <mc:Fallback xmlns="">
+      <p:transition spd="med">
+        <p:fade/>
+      </p:transition>
+    </mc:Fallback>
+  </mc:AlternateContent>
+  <p:timing>
+    <p:tnLst>
+      <p:par>
+        <p:cTn id="1" dur="indefinite" restart="never" nodeType="tmRoot"/>
+      </p:par>
+    </p:tnLst>
+  </p:timing>
 </p:sld>
 </file>
 
@@ -7773,6 +8308,25 @@
   <p:clrMapOvr>
     <a:masterClrMapping/>
   </p:clrMapOvr>
+  <mc:AlternateContent xmlns:mc="http://schemas.openxmlformats.org/markup-compatibility/2006" xmlns:p14="http://schemas.microsoft.com/office/powerpoint/2010/main">
+    <mc:Choice Requires="p14">
+      <p:transition spd="med" p14:dur="700">
+        <p:fade/>
+      </p:transition>
+    </mc:Choice>
+    <mc:Fallback xmlns="">
+      <p:transition spd="med">
+        <p:fade/>
+      </p:transition>
+    </mc:Fallback>
+  </mc:AlternateContent>
+  <p:timing>
+    <p:tnLst>
+      <p:par>
+        <p:cTn id="1" dur="indefinite" restart="never" nodeType="tmRoot"/>
+      </p:par>
+    </p:tnLst>
+  </p:timing>
 </p:sld>
 </file>
 
@@ -7866,6 +8420,25 @@
   <p:clrMapOvr>
     <a:masterClrMapping/>
   </p:clrMapOvr>
+  <mc:AlternateContent xmlns:mc="http://schemas.openxmlformats.org/markup-compatibility/2006" xmlns:p14="http://schemas.microsoft.com/office/powerpoint/2010/main">
+    <mc:Choice Requires="p14">
+      <p:transition spd="med" p14:dur="700">
+        <p:fade/>
+      </p:transition>
+    </mc:Choice>
+    <mc:Fallback xmlns="">
+      <p:transition spd="med">
+        <p:fade/>
+      </p:transition>
+    </mc:Fallback>
+  </mc:AlternateContent>
+  <p:timing>
+    <p:tnLst>
+      <p:par>
+        <p:cTn id="1" dur="indefinite" restart="never" nodeType="tmRoot"/>
+      </p:par>
+    </p:tnLst>
+  </p:timing>
 </p:sld>
 </file>
 
